--- a/doctest_intro.pptx
+++ b/doctest_intro.pptx
@@ -3394,8 +3394,12 @@
           </a:p>
           <a:p>
             <a:r>
+              <a:rPr lang="en-US"/>
+              <a:t>June 25, </a:t>
+            </a:r>
+            <a:r>
               <a:rPr lang="en-US" dirty="0"/>
-              <a:t>June 26, 2019</a:t>
+              <a:t>2019</a:t>
             </a:r>
           </a:p>
         </p:txBody>
